--- a/slides/Async with rxJava.pptx
+++ b/slides/Async with rxJava.pptx
@@ -368,7 +368,7 @@
           <a:p>
             <a:fld id="{D7C3A134-F1C3-464B-BF47-54DC2DE08F52}" type="datetimeFigureOut">
               <a:rPr lang="en-US" smtClean="0"/>
-              <a:t>09/12/16</a:t>
+              <a:t>12/12/16</a:t>
             </a:fld>
             <a:endParaRPr lang="en-US"/>
           </a:p>
@@ -591,7 +591,7 @@
           <a:p>
             <a:fld id="{D7C3A134-F1C3-464B-BF47-54DC2DE08F52}" type="datetimeFigureOut">
               <a:rPr lang="en-US" smtClean="0"/>
-              <a:t>09/12/16</a:t>
+              <a:t>12/12/16</a:t>
             </a:fld>
             <a:endParaRPr lang="en-US"/>
           </a:p>
@@ -871,7 +871,7 @@
           <a:p>
             <a:fld id="{D7C3A134-F1C3-464B-BF47-54DC2DE08F52}" type="datetimeFigureOut">
               <a:rPr lang="en-US" smtClean="0"/>
-              <a:t>09/12/16</a:t>
+              <a:t>12/12/16</a:t>
             </a:fld>
             <a:endParaRPr lang="en-US"/>
           </a:p>
@@ -1050,7 +1050,7 @@
           <a:p>
             <a:fld id="{D7C3A134-F1C3-464B-BF47-54DC2DE08F52}" type="datetimeFigureOut">
               <a:rPr lang="en-US" smtClean="0"/>
-              <a:t>09/12/16</a:t>
+              <a:t>12/12/16</a:t>
             </a:fld>
             <a:endParaRPr lang="en-US"/>
           </a:p>
@@ -1408,7 +1408,7 @@
           <a:p>
             <a:fld id="{D7C3A134-F1C3-464B-BF47-54DC2DE08F52}" type="datetimeFigureOut">
               <a:rPr lang="en-US" smtClean="0"/>
-              <a:t>09/12/16</a:t>
+              <a:t>12/12/16</a:t>
             </a:fld>
             <a:endParaRPr lang="en-US"/>
           </a:p>
@@ -1695,7 +1695,7 @@
           <a:p>
             <a:fld id="{D7C3A134-F1C3-464B-BF47-54DC2DE08F52}" type="datetimeFigureOut">
               <a:rPr lang="en-US" smtClean="0"/>
-              <a:t>09/12/16</a:t>
+              <a:t>12/12/16</a:t>
             </a:fld>
             <a:endParaRPr lang="en-US"/>
           </a:p>
@@ -2117,7 +2117,7 @@
           <a:p>
             <a:fld id="{D7C3A134-F1C3-464B-BF47-54DC2DE08F52}" type="datetimeFigureOut">
               <a:rPr lang="en-US" smtClean="0"/>
-              <a:t>09/12/16</a:t>
+              <a:t>12/12/16</a:t>
             </a:fld>
             <a:endParaRPr lang="en-US"/>
           </a:p>
@@ -2232,7 +2232,7 @@
           <a:p>
             <a:fld id="{D7C3A134-F1C3-464B-BF47-54DC2DE08F52}" type="datetimeFigureOut">
               <a:rPr lang="en-US" smtClean="0"/>
-              <a:t>09/12/16</a:t>
+              <a:t>12/12/16</a:t>
             </a:fld>
             <a:endParaRPr lang="en-US"/>
           </a:p>
@@ -2322,7 +2322,7 @@
           <a:p>
             <a:fld id="{D7C3A134-F1C3-464B-BF47-54DC2DE08F52}" type="datetimeFigureOut">
               <a:rPr lang="en-US" smtClean="0"/>
-              <a:t>09/12/16</a:t>
+              <a:t>12/12/16</a:t>
             </a:fld>
             <a:endParaRPr lang="en-US"/>
           </a:p>
@@ -2600,7 +2600,7 @@
           <a:p>
             <a:fld id="{D7C3A134-F1C3-464B-BF47-54DC2DE08F52}" type="datetimeFigureOut">
               <a:rPr lang="en-US" smtClean="0"/>
-              <a:t>09/12/16</a:t>
+              <a:t>12/12/16</a:t>
             </a:fld>
             <a:endParaRPr lang="en-US"/>
           </a:p>
@@ -2966,7 +2966,7 @@
           <a:p>
             <a:fld id="{D7C3A134-F1C3-464B-BF47-54DC2DE08F52}" type="datetimeFigureOut">
               <a:rPr lang="en-US" smtClean="0"/>
-              <a:t>09/12/16</a:t>
+              <a:t>12/12/16</a:t>
             </a:fld>
             <a:endParaRPr lang="en-US" dirty="0"/>
           </a:p>
@@ -3403,7 +3403,7 @@
           <a:p>
             <a:fld id="{D7C3A134-F1C3-464B-BF47-54DC2DE08F52}" type="datetimeFigureOut">
               <a:rPr lang="en-US" smtClean="0"/>
-              <a:t>09/12/16</a:t>
+              <a:t>12/12/16</a:t>
             </a:fld>
             <a:endParaRPr lang="en-US" dirty="0"/>
           </a:p>
@@ -6129,7 +6129,15 @@
           <a:p>
             <a:r>
               <a:rPr lang="en-US" dirty="0" smtClean="0"/>
-              <a:t>Upper method receive a promise object</a:t>
+              <a:t>Upper method </a:t>
+            </a:r>
+            <a:r>
+              <a:rPr lang="en-US" dirty="0" smtClean="0"/>
+              <a:t>receives </a:t>
+            </a:r>
+            <a:r>
+              <a:rPr lang="en-US" dirty="0" smtClean="0"/>
+              <a:t>a promise object</a:t>
             </a:r>
           </a:p>
           <a:p>
@@ -6156,7 +6164,15 @@
           <a:p>
             <a:r>
               <a:rPr lang="en-US" dirty="0" smtClean="0"/>
-              <a:t>Everything is run in main thread</a:t>
+              <a:t>Everything is </a:t>
+            </a:r>
+            <a:r>
+              <a:rPr lang="en-US" dirty="0" smtClean="0"/>
+              <a:t>running </a:t>
+            </a:r>
+            <a:r>
+              <a:rPr lang="en-US" dirty="0" smtClean="0"/>
+              <a:t>in main thread</a:t>
             </a:r>
           </a:p>
           <a:p>
@@ -6442,13 +6458,20 @@
           <a:p>
             <a:r>
               <a:rPr lang="en-US" dirty="0" smtClean="0"/>
-              <a:t>Everything is run in main thread, but it’s up to you to configure it in parallel way</a:t>
-            </a:r>
-          </a:p>
-          <a:p>
-            <a:pPr marL="118872" indent="0">
-              <a:buNone/>
-            </a:pPr>
+              <a:t>Everything is </a:t>
+            </a:r>
+            <a:r>
+              <a:rPr lang="en-US" dirty="0" smtClean="0"/>
+              <a:t>running </a:t>
+            </a:r>
+            <a:r>
+              <a:rPr lang="en-US" dirty="0" smtClean="0"/>
+              <a:t>in main </a:t>
+            </a:r>
+            <a:r>
+              <a:rPr lang="en-US" dirty="0" smtClean="0"/>
+              <a:t>thread(can be redefined)</a:t>
+            </a:r>
             <a:endParaRPr lang="en-US" dirty="0" smtClean="0"/>
           </a:p>
         </p:txBody>
@@ -6776,7 +6799,19 @@
           <a:p>
             <a:r>
               <a:rPr lang="en-US" sz="2000" dirty="0" smtClean="0"/>
-              <a:t>Everything is run in main thread</a:t>
+              <a:t>Everything </a:t>
+            </a:r>
+            <a:r>
+              <a:rPr lang="en-US" sz="2000" smtClean="0"/>
+              <a:t>is </a:t>
+            </a:r>
+            <a:r>
+              <a:rPr lang="en-US" sz="2000" smtClean="0"/>
+              <a:t>running </a:t>
+            </a:r>
+            <a:r>
+              <a:rPr lang="en-US" sz="2000" dirty="0" smtClean="0"/>
+              <a:t>in main thread</a:t>
             </a:r>
           </a:p>
         </p:txBody>
